--- a/Publication/Плоских_01_04.pptx
+++ b/Publication/Плоских_01_04.pptx
@@ -9,6 +9,8 @@
     <p:sldId id="256" r:id="rId3"/>
     <p:sldId id="257" r:id="rId4"/>
     <p:sldId id="259" r:id="rId5"/>
+    <p:sldId id="260" r:id="rId6"/>
+    <p:sldId id="263" r:id="rId7"/>
   </p:sldIdLst>
   <p:sldSz cx="12192000" cy="6858000"/>
   <p:notesSz cx="6858000" cy="9144000"/>
@@ -3953,6 +3955,1298 @@
 </p:sld>
 </file>
 
+<file path=ppt/slides/slide5.xml><?xml version="1.0" encoding="utf-8"?>
+<p:sld xmlns:a="http://schemas.openxmlformats.org/drawingml/2006/main" xmlns:r="http://schemas.openxmlformats.org/officeDocument/2006/relationships" xmlns:p="http://schemas.openxmlformats.org/presentationml/2006/main">
+  <p:cSld>
+    <p:spTree>
+      <p:nvGrpSpPr>
+        <p:cNvPr id="1" name=""/>
+        <p:cNvGrpSpPr/>
+        <p:nvPr/>
+      </p:nvGrpSpPr>
+      <p:grpSpPr>
+        <a:xfrm>
+          <a:off x="0" y="0"/>
+          <a:ext cx="0" cy="0"/>
+          <a:chOff x="0" y="0"/>
+          <a:chExt cx="0" cy="0"/>
+        </a:xfrm>
+      </p:grpSpPr>
+      <p:sp>
+        <p:nvSpPr>
+          <p:cNvPr id="2" name="TextBox 1">
+            <a:extLst>
+              <a:ext uri="{FF2B5EF4-FFF2-40B4-BE49-F238E27FC236}">
+                <a16:creationId xmlns:a16="http://schemas.microsoft.com/office/drawing/2014/main" id="{FB170A80-1EBE-DCB2-F272-0B2178E2C603}"/>
+              </a:ext>
+            </a:extLst>
+          </p:cNvPr>
+          <p:cNvSpPr txBox="1"/>
+          <p:nvPr/>
+        </p:nvSpPr>
+        <p:spPr>
+          <a:xfrm>
+            <a:off x="3279684" y="0"/>
+            <a:ext cx="5632632" cy="646331"/>
+          </a:xfrm>
+          <a:prstGeom prst="rect">
+            <a:avLst/>
+          </a:prstGeom>
+          <a:noFill/>
+        </p:spPr>
+        <p:txBody>
+          <a:bodyPr wrap="none" rtlCol="0">
+            <a:spAutoFit/>
+          </a:bodyPr>
+          <a:lstStyle/>
+          <a:p>
+            <a:r>
+              <a:rPr lang="ru-RU" sz="3600" dirty="0">
+                <a:latin typeface="Times New Roman" panose="02020603050405020304" pitchFamily="18" charset="0"/>
+                <a:cs typeface="Times New Roman" panose="02020603050405020304" pitchFamily="18" charset="0"/>
+              </a:rPr>
+              <a:t>Используемые библиотеки:</a:t>
+            </a:r>
+          </a:p>
+        </p:txBody>
+      </p:sp>
+      <p:graphicFrame>
+        <p:nvGraphicFramePr>
+          <p:cNvPr id="5" name="Таблица 4">
+            <a:extLst>
+              <a:ext uri="{FF2B5EF4-FFF2-40B4-BE49-F238E27FC236}">
+                <a16:creationId xmlns:a16="http://schemas.microsoft.com/office/drawing/2014/main" id="{38DA4E66-4598-63E7-E56D-A308169B9161}"/>
+              </a:ext>
+            </a:extLst>
+          </p:cNvPr>
+          <p:cNvGraphicFramePr>
+            <a:graphicFrameLocks noGrp="1"/>
+          </p:cNvGraphicFramePr>
+          <p:nvPr/>
+        </p:nvGraphicFramePr>
+        <p:xfrm>
+          <a:off x="266330" y="646331"/>
+          <a:ext cx="11684966" cy="5219236"/>
+        </p:xfrm>
+        <a:graphic>
+          <a:graphicData uri="http://schemas.openxmlformats.org/drawingml/2006/table">
+            <a:tbl>
+              <a:tblPr firstRow="1" bandRow="1">
+                <a:tableStyleId>{5C22544A-7EE6-4342-B048-85BDC9FD1C3A}</a:tableStyleId>
+              </a:tblPr>
+              <a:tblGrid>
+                <a:gridCol w="5813332">
+                  <a:extLst>
+                    <a:ext uri="{9D8B030D-6E8A-4147-A177-3AD203B41FA5}">
+                      <a16:colId xmlns:a16="http://schemas.microsoft.com/office/drawing/2014/main" val="153044120"/>
+                    </a:ext>
+                  </a:extLst>
+                </a:gridCol>
+                <a:gridCol w="5871634">
+                  <a:extLst>
+                    <a:ext uri="{9D8B030D-6E8A-4147-A177-3AD203B41FA5}">
+                      <a16:colId xmlns:a16="http://schemas.microsoft.com/office/drawing/2014/main" val="3992852095"/>
+                    </a:ext>
+                  </a:extLst>
+                </a:gridCol>
+              </a:tblGrid>
+              <a:tr h="372916">
+                <a:tc>
+                  <a:txBody>
+                    <a:bodyPr/>
+                    <a:lstStyle/>
+                    <a:p>
+                      <a:pPr marL="0" marR="0" lvl="0" indent="0" algn="l" defTabSz="914400" rtl="0" eaLnBrk="1" fontAlgn="auto" latinLnBrk="0" hangingPunct="1">
+                        <a:lnSpc>
+                          <a:spcPct val="100000"/>
+                        </a:lnSpc>
+                        <a:spcBef>
+                          <a:spcPts val="0"/>
+                        </a:spcBef>
+                        <a:spcAft>
+                          <a:spcPts val="0"/>
+                        </a:spcAft>
+                        <a:buClrTx/>
+                        <a:buSzTx/>
+                        <a:buFontTx/>
+                        <a:buNone/>
+                        <a:tabLst/>
+                        <a:defRPr/>
+                      </a:pPr>
+                      <a:r>
+                        <a:rPr lang="ru-RU" dirty="0"/>
+                        <a:t>Библиотека</a:t>
+                      </a:r>
+                    </a:p>
+                  </a:txBody>
+                  <a:tcPr/>
+                </a:tc>
+                <a:tc>
+                  <a:txBody>
+                    <a:bodyPr/>
+                    <a:lstStyle/>
+                    <a:p>
+                      <a:pPr marL="0" marR="0" lvl="0" indent="0" algn="l" defTabSz="914400" rtl="0" eaLnBrk="1" fontAlgn="auto" latinLnBrk="0" hangingPunct="1">
+                        <a:lnSpc>
+                          <a:spcPct val="100000"/>
+                        </a:lnSpc>
+                        <a:spcBef>
+                          <a:spcPts val="0"/>
+                        </a:spcBef>
+                        <a:spcAft>
+                          <a:spcPts val="0"/>
+                        </a:spcAft>
+                        <a:buClrTx/>
+                        <a:buSzTx/>
+                        <a:buFontTx/>
+                        <a:buNone/>
+                        <a:tabLst/>
+                        <a:defRPr/>
+                      </a:pPr>
+                      <a:r>
+                        <a:rPr lang="ru-RU" dirty="0"/>
+                        <a:t>Назначение</a:t>
+                      </a:r>
+                    </a:p>
+                  </a:txBody>
+                  <a:tcPr/>
+                </a:tc>
+                <a:extLst>
+                  <a:ext uri="{0D108BD9-81ED-4DB2-BD59-A6C34878D82A}">
+                    <a16:rowId xmlns:a16="http://schemas.microsoft.com/office/drawing/2014/main" val="2570134324"/>
+                  </a:ext>
+                </a:extLst>
+              </a:tr>
+              <a:tr h="454446">
+                <a:tc>
+                  <a:txBody>
+                    <a:bodyPr/>
+                    <a:lstStyle/>
+                    <a:p>
+                      <a:r>
+                        <a:rPr lang="en-US" sz="1400" b="0" kern="1200" dirty="0">
+                          <a:solidFill>
+                            <a:schemeClr val="dk1"/>
+                          </a:solidFill>
+                          <a:effectLst/>
+                          <a:latin typeface="Times New Roman" panose="02020603050405020304" pitchFamily="18" charset="0"/>
+                          <a:ea typeface="+mn-ea"/>
+                          <a:cs typeface="Times New Roman" panose="02020603050405020304" pitchFamily="18" charset="0"/>
+                        </a:rPr>
+                        <a:t>System</a:t>
+                      </a:r>
+                      <a:r>
+                        <a:rPr lang="ru-RU" sz="1400" b="0" kern="1200" dirty="0">
+                          <a:solidFill>
+                            <a:schemeClr val="dk1"/>
+                          </a:solidFill>
+                          <a:effectLst/>
+                          <a:latin typeface="Times New Roman" panose="02020603050405020304" pitchFamily="18" charset="0"/>
+                          <a:ea typeface="+mn-ea"/>
+                          <a:cs typeface="Times New Roman" panose="02020603050405020304" pitchFamily="18" charset="0"/>
+                        </a:rPr>
+                        <a:t>;</a:t>
+                      </a:r>
+                    </a:p>
+                  </a:txBody>
+                  <a:tcPr/>
+                </a:tc>
+                <a:tc>
+                  <a:txBody>
+                    <a:bodyPr/>
+                    <a:lstStyle/>
+                    <a:p>
+                      <a:pPr marL="0" marR="0" lvl="0" indent="0" algn="l" defTabSz="914400" rtl="0" eaLnBrk="1" fontAlgn="auto" latinLnBrk="0" hangingPunct="1">
+                        <a:lnSpc>
+                          <a:spcPct val="100000"/>
+                        </a:lnSpc>
+                        <a:spcBef>
+                          <a:spcPts val="0"/>
+                        </a:spcBef>
+                        <a:spcAft>
+                          <a:spcPts val="0"/>
+                        </a:spcAft>
+                        <a:buClrTx/>
+                        <a:buSzTx/>
+                        <a:buFontTx/>
+                        <a:buNone/>
+                        <a:tabLst/>
+                        <a:defRPr/>
+                      </a:pPr>
+                      <a:r>
+                        <a:rPr lang="ru-RU" sz="1200" b="0" i="0" kern="1200" dirty="0">
+                          <a:solidFill>
+                            <a:schemeClr val="dk1"/>
+                          </a:solidFill>
+                          <a:effectLst/>
+                          <a:latin typeface="+mn-lt"/>
+                          <a:ea typeface="+mn-ea"/>
+                          <a:cs typeface="+mn-cs"/>
+                        </a:rPr>
+                        <a:t>Это пространство имен является основным в .NET и предоставляет базовые классы и типы данных, такие как </a:t>
+                      </a:r>
+                      <a:r>
+                        <a:rPr lang="ru-RU" sz="1200" b="0" i="0" kern="1200" dirty="0" err="1">
+                          <a:solidFill>
+                            <a:schemeClr val="dk1"/>
+                          </a:solidFill>
+                          <a:effectLst/>
+                          <a:latin typeface="+mn-lt"/>
+                          <a:ea typeface="+mn-ea"/>
+                          <a:cs typeface="+mn-cs"/>
+                        </a:rPr>
+                        <a:t>String</a:t>
+                      </a:r>
+                      <a:r>
+                        <a:rPr lang="ru-RU" sz="1200" b="0" i="0" kern="1200" dirty="0">
+                          <a:solidFill>
+                            <a:schemeClr val="dk1"/>
+                          </a:solidFill>
+                          <a:effectLst/>
+                          <a:latin typeface="+mn-lt"/>
+                          <a:ea typeface="+mn-ea"/>
+                          <a:cs typeface="+mn-cs"/>
+                        </a:rPr>
+                        <a:t>, Int32, </a:t>
+                      </a:r>
+                      <a:r>
+                        <a:rPr lang="ru-RU" sz="1200" b="0" i="0" kern="1200" dirty="0" err="1">
+                          <a:solidFill>
+                            <a:schemeClr val="dk1"/>
+                          </a:solidFill>
+                          <a:effectLst/>
+                          <a:latin typeface="+mn-lt"/>
+                          <a:ea typeface="+mn-ea"/>
+                          <a:cs typeface="+mn-cs"/>
+                        </a:rPr>
+                        <a:t>DateTime</a:t>
+                      </a:r>
+                      <a:r>
+                        <a:rPr lang="ru-RU" sz="1200" b="0" i="0" kern="1200" dirty="0">
+                          <a:solidFill>
+                            <a:schemeClr val="dk1"/>
+                          </a:solidFill>
+                          <a:effectLst/>
+                          <a:latin typeface="+mn-lt"/>
+                          <a:ea typeface="+mn-ea"/>
+                          <a:cs typeface="+mn-cs"/>
+                        </a:rPr>
+                        <a:t> и другие. Оно также включает в себя функциональность для работы с коллекциями, исключениями и многими другими основными аспектами программирования на C#.</a:t>
+                      </a:r>
+                    </a:p>
+                    <a:p>
+                      <a:pPr marL="0" marR="0" lvl="0" indent="0" algn="l" defTabSz="914400" rtl="0" eaLnBrk="1" fontAlgn="auto" latinLnBrk="0" hangingPunct="1">
+                        <a:lnSpc>
+                          <a:spcPct val="100000"/>
+                        </a:lnSpc>
+                        <a:spcBef>
+                          <a:spcPts val="0"/>
+                        </a:spcBef>
+                        <a:spcAft>
+                          <a:spcPts val="0"/>
+                        </a:spcAft>
+                        <a:buClrTx/>
+                        <a:buSzTx/>
+                        <a:buFontTx/>
+                        <a:buNone/>
+                        <a:tabLst/>
+                        <a:defRPr/>
+                      </a:pPr>
+                      <a:endParaRPr lang="ru-RU" sz="1200" dirty="0"/>
+                    </a:p>
+                  </a:txBody>
+                  <a:tcPr/>
+                </a:tc>
+                <a:extLst>
+                  <a:ext uri="{0D108BD9-81ED-4DB2-BD59-A6C34878D82A}">
+                    <a16:rowId xmlns:a16="http://schemas.microsoft.com/office/drawing/2014/main" val="1950032498"/>
+                  </a:ext>
+                </a:extLst>
+              </a:tr>
+              <a:tr h="550157">
+                <a:tc>
+                  <a:txBody>
+                    <a:bodyPr/>
+                    <a:lstStyle/>
+                    <a:p>
+                      <a:r>
+                        <a:rPr lang="en-US" sz="1400" b="0" kern="1200" dirty="0">
+                          <a:solidFill>
+                            <a:schemeClr val="dk1"/>
+                          </a:solidFill>
+                          <a:effectLst/>
+                          <a:latin typeface="Times New Roman" panose="02020603050405020304" pitchFamily="18" charset="0"/>
+                          <a:ea typeface="+mn-ea"/>
+                          <a:cs typeface="Times New Roman" panose="02020603050405020304" pitchFamily="18" charset="0"/>
+                        </a:rPr>
+                        <a:t>Xamarin</a:t>
+                      </a:r>
+                      <a:r>
+                        <a:rPr lang="ru-RU" sz="1400" b="0" kern="1200" dirty="0">
+                          <a:solidFill>
+                            <a:schemeClr val="dk1"/>
+                          </a:solidFill>
+                          <a:effectLst/>
+                          <a:latin typeface="Times New Roman" panose="02020603050405020304" pitchFamily="18" charset="0"/>
+                          <a:ea typeface="+mn-ea"/>
+                          <a:cs typeface="Times New Roman" panose="02020603050405020304" pitchFamily="18" charset="0"/>
+                        </a:rPr>
+                        <a:t>.</a:t>
+                      </a:r>
+                      <a:r>
+                        <a:rPr lang="en-US" sz="1400" b="0" kern="1200" dirty="0">
+                          <a:solidFill>
+                            <a:schemeClr val="dk1"/>
+                          </a:solidFill>
+                          <a:effectLst/>
+                          <a:latin typeface="Times New Roman" panose="02020603050405020304" pitchFamily="18" charset="0"/>
+                          <a:ea typeface="+mn-ea"/>
+                          <a:cs typeface="Times New Roman" panose="02020603050405020304" pitchFamily="18" charset="0"/>
+                        </a:rPr>
+                        <a:t>Forms</a:t>
+                      </a:r>
+                      <a:r>
+                        <a:rPr lang="ru-RU" sz="1400" b="0" kern="1200" dirty="0">
+                          <a:solidFill>
+                            <a:schemeClr val="dk1"/>
+                          </a:solidFill>
+                          <a:effectLst/>
+                          <a:latin typeface="Times New Roman" panose="02020603050405020304" pitchFamily="18" charset="0"/>
+                          <a:ea typeface="+mn-ea"/>
+                          <a:cs typeface="Times New Roman" panose="02020603050405020304" pitchFamily="18" charset="0"/>
+                        </a:rPr>
+                        <a:t>;</a:t>
+                      </a:r>
+                    </a:p>
+                  </a:txBody>
+                  <a:tcPr/>
+                </a:tc>
+                <a:tc>
+                  <a:txBody>
+                    <a:bodyPr/>
+                    <a:lstStyle/>
+                    <a:p>
+                      <a:r>
+                        <a:rPr lang="ru-RU" sz="1200" b="0" i="0" kern="1200" dirty="0">
+                          <a:solidFill>
+                            <a:schemeClr val="dk1"/>
+                          </a:solidFill>
+                          <a:effectLst/>
+                          <a:latin typeface="+mn-lt"/>
+                          <a:ea typeface="+mn-ea"/>
+                          <a:cs typeface="+mn-cs"/>
+                        </a:rPr>
+                        <a:t>это библиотека, предназначенная для создания кроссплатформенных мобильных приложений. Она позволяет разработчикам писать код один раз и использовать его на различных платформах, таких как </a:t>
+                      </a:r>
+                      <a:r>
+                        <a:rPr lang="ru-RU" sz="1200" b="0" i="0" kern="1200" dirty="0" err="1">
+                          <a:solidFill>
+                            <a:schemeClr val="dk1"/>
+                          </a:solidFill>
+                          <a:effectLst/>
+                          <a:latin typeface="+mn-lt"/>
+                          <a:ea typeface="+mn-ea"/>
+                          <a:cs typeface="+mn-cs"/>
+                        </a:rPr>
+                        <a:t>iOS</a:t>
+                      </a:r>
+                      <a:r>
+                        <a:rPr lang="ru-RU" sz="1200" b="0" i="0" kern="1200" dirty="0">
+                          <a:solidFill>
+                            <a:schemeClr val="dk1"/>
+                          </a:solidFill>
+                          <a:effectLst/>
+                          <a:latin typeface="+mn-lt"/>
+                          <a:ea typeface="+mn-ea"/>
+                          <a:cs typeface="+mn-cs"/>
+                        </a:rPr>
+                        <a:t> и </a:t>
+                      </a:r>
+                      <a:r>
+                        <a:rPr lang="ru-RU" sz="1200" b="0" i="0" kern="1200" dirty="0" err="1">
+                          <a:solidFill>
+                            <a:schemeClr val="dk1"/>
+                          </a:solidFill>
+                          <a:effectLst/>
+                          <a:latin typeface="+mn-lt"/>
+                          <a:ea typeface="+mn-ea"/>
+                          <a:cs typeface="+mn-cs"/>
+                        </a:rPr>
+                        <a:t>Android</a:t>
+                      </a:r>
+                      <a:r>
+                        <a:rPr lang="ru-RU" sz="1200" b="0" i="0" kern="1200" dirty="0">
+                          <a:solidFill>
+                            <a:schemeClr val="dk1"/>
+                          </a:solidFill>
+                          <a:effectLst/>
+                          <a:latin typeface="+mn-lt"/>
+                          <a:ea typeface="+mn-ea"/>
+                          <a:cs typeface="+mn-cs"/>
+                        </a:rPr>
+                        <a:t>. Библиотека предоставляет элементы управления пользовательским интерфейсом и другие инструменты для разработки приложений.</a:t>
+                      </a:r>
+                      <a:endParaRPr lang="ru-RU" sz="1200" dirty="0"/>
+                    </a:p>
+                  </a:txBody>
+                  <a:tcPr/>
+                </a:tc>
+                <a:extLst>
+                  <a:ext uri="{0D108BD9-81ED-4DB2-BD59-A6C34878D82A}">
+                    <a16:rowId xmlns:a16="http://schemas.microsoft.com/office/drawing/2014/main" val="4643697"/>
+                  </a:ext>
+                </a:extLst>
+              </a:tr>
+              <a:tr h="441114">
+                <a:tc>
+                  <a:txBody>
+                    <a:bodyPr/>
+                    <a:lstStyle/>
+                    <a:p>
+                      <a:r>
+                        <a:rPr lang="en-US" sz="1400" b="0" kern="1200" dirty="0">
+                          <a:solidFill>
+                            <a:schemeClr val="dk1"/>
+                          </a:solidFill>
+                          <a:effectLst/>
+                          <a:latin typeface="Times New Roman" panose="02020603050405020304" pitchFamily="18" charset="0"/>
+                          <a:ea typeface="+mn-ea"/>
+                          <a:cs typeface="Times New Roman" panose="02020603050405020304" pitchFamily="18" charset="0"/>
+                        </a:rPr>
+                        <a:t>Xamarin</a:t>
+                      </a:r>
+                      <a:r>
+                        <a:rPr lang="ru-RU" sz="1400" b="0" kern="1200" dirty="0">
+                          <a:solidFill>
+                            <a:schemeClr val="dk1"/>
+                          </a:solidFill>
+                          <a:effectLst/>
+                          <a:latin typeface="Times New Roman" panose="02020603050405020304" pitchFamily="18" charset="0"/>
+                          <a:ea typeface="+mn-ea"/>
+                          <a:cs typeface="Times New Roman" panose="02020603050405020304" pitchFamily="18" charset="0"/>
+                        </a:rPr>
+                        <a:t>.</a:t>
+                      </a:r>
+                      <a:r>
+                        <a:rPr lang="en-US" sz="1400" b="0" kern="1200" dirty="0">
+                          <a:solidFill>
+                            <a:schemeClr val="dk1"/>
+                          </a:solidFill>
+                          <a:effectLst/>
+                          <a:latin typeface="Times New Roman" panose="02020603050405020304" pitchFamily="18" charset="0"/>
+                          <a:ea typeface="+mn-ea"/>
+                          <a:cs typeface="Times New Roman" panose="02020603050405020304" pitchFamily="18" charset="0"/>
+                        </a:rPr>
+                        <a:t>Forms</a:t>
+                      </a:r>
+                      <a:r>
+                        <a:rPr lang="ru-RU" sz="1400" b="0" kern="1200" dirty="0">
+                          <a:solidFill>
+                            <a:schemeClr val="dk1"/>
+                          </a:solidFill>
+                          <a:effectLst/>
+                          <a:latin typeface="Times New Roman" panose="02020603050405020304" pitchFamily="18" charset="0"/>
+                          <a:ea typeface="+mn-ea"/>
+                          <a:cs typeface="Times New Roman" panose="02020603050405020304" pitchFamily="18" charset="0"/>
+                        </a:rPr>
+                        <a:t>.</a:t>
+                      </a:r>
+                      <a:r>
+                        <a:rPr lang="en-US" sz="1400" b="0" kern="1200" dirty="0" err="1">
+                          <a:solidFill>
+                            <a:schemeClr val="dk1"/>
+                          </a:solidFill>
+                          <a:effectLst/>
+                          <a:latin typeface="Times New Roman" panose="02020603050405020304" pitchFamily="18" charset="0"/>
+                          <a:ea typeface="+mn-ea"/>
+                          <a:cs typeface="Times New Roman" panose="02020603050405020304" pitchFamily="18" charset="0"/>
+                        </a:rPr>
+                        <a:t>Xaml</a:t>
+                      </a:r>
+                      <a:r>
+                        <a:rPr lang="ru-RU" sz="1400" b="0" kern="1200" dirty="0">
+                          <a:solidFill>
+                            <a:schemeClr val="dk1"/>
+                          </a:solidFill>
+                          <a:effectLst/>
+                          <a:latin typeface="Times New Roman" panose="02020603050405020304" pitchFamily="18" charset="0"/>
+                          <a:ea typeface="+mn-ea"/>
+                          <a:cs typeface="Times New Roman" panose="02020603050405020304" pitchFamily="18" charset="0"/>
+                        </a:rPr>
+                        <a:t>;</a:t>
+                      </a:r>
+                    </a:p>
+                  </a:txBody>
+                  <a:tcPr/>
+                </a:tc>
+                <a:tc>
+                  <a:txBody>
+                    <a:bodyPr/>
+                    <a:lstStyle/>
+                    <a:p>
+                      <a:pPr marL="0" marR="0" lvl="0" indent="0" algn="l" defTabSz="914400" rtl="0" eaLnBrk="1" fontAlgn="auto" latinLnBrk="0" hangingPunct="1">
+                        <a:lnSpc>
+                          <a:spcPct val="100000"/>
+                        </a:lnSpc>
+                        <a:spcBef>
+                          <a:spcPts val="0"/>
+                        </a:spcBef>
+                        <a:spcAft>
+                          <a:spcPts val="0"/>
+                        </a:spcAft>
+                        <a:buClrTx/>
+                        <a:buSzTx/>
+                        <a:buFontTx/>
+                        <a:buNone/>
+                        <a:tabLst/>
+                        <a:defRPr/>
+                      </a:pPr>
+                      <a:r>
+                        <a:rPr lang="ru-RU" sz="1200" b="0" i="0" kern="1200" dirty="0">
+                          <a:solidFill>
+                            <a:schemeClr val="dk1"/>
+                          </a:solidFill>
+                          <a:effectLst/>
+                          <a:latin typeface="+mn-lt"/>
+                          <a:ea typeface="+mn-ea"/>
+                          <a:cs typeface="+mn-cs"/>
+                        </a:rPr>
+                        <a:t>Это пространство имен используется для работы с XAML (</a:t>
+                      </a:r>
+                      <a:r>
+                        <a:rPr lang="ru-RU" sz="1200" b="0" i="0" kern="1200" dirty="0" err="1">
+                          <a:solidFill>
+                            <a:schemeClr val="dk1"/>
+                          </a:solidFill>
+                          <a:effectLst/>
+                          <a:latin typeface="+mn-lt"/>
+                          <a:ea typeface="+mn-ea"/>
+                          <a:cs typeface="+mn-cs"/>
+                        </a:rPr>
+                        <a:t>eXtensible</a:t>
+                      </a:r>
+                      <a:r>
+                        <a:rPr lang="ru-RU" sz="1200" b="0" i="0" kern="1200" dirty="0">
+                          <a:solidFill>
+                            <a:schemeClr val="dk1"/>
+                          </a:solidFill>
+                          <a:effectLst/>
+                          <a:latin typeface="+mn-lt"/>
+                          <a:ea typeface="+mn-ea"/>
+                          <a:cs typeface="+mn-cs"/>
+                        </a:rPr>
+                        <a:t> Application </a:t>
+                      </a:r>
+                      <a:r>
+                        <a:rPr lang="ru-RU" sz="1200" b="0" i="0" kern="1200" dirty="0" err="1">
+                          <a:solidFill>
+                            <a:schemeClr val="dk1"/>
+                          </a:solidFill>
+                          <a:effectLst/>
+                          <a:latin typeface="+mn-lt"/>
+                          <a:ea typeface="+mn-ea"/>
+                          <a:cs typeface="+mn-cs"/>
+                        </a:rPr>
+                        <a:t>Markup</a:t>
+                      </a:r>
+                      <a:r>
+                        <a:rPr lang="ru-RU" sz="1200" b="0" i="0" kern="1200" dirty="0">
+                          <a:solidFill>
+                            <a:schemeClr val="dk1"/>
+                          </a:solidFill>
+                          <a:effectLst/>
+                          <a:latin typeface="+mn-lt"/>
+                          <a:ea typeface="+mn-ea"/>
+                          <a:cs typeface="+mn-cs"/>
+                        </a:rPr>
+                        <a:t> Language) в </a:t>
+                      </a:r>
+                      <a:r>
+                        <a:rPr lang="ru-RU" sz="1200" b="0" i="0" kern="1200" dirty="0" err="1">
+                          <a:solidFill>
+                            <a:schemeClr val="dk1"/>
+                          </a:solidFill>
+                          <a:effectLst/>
+                          <a:latin typeface="+mn-lt"/>
+                          <a:ea typeface="+mn-ea"/>
+                          <a:cs typeface="+mn-cs"/>
+                        </a:rPr>
+                        <a:t>Xamarin.Forms</a:t>
+                      </a:r>
+                      <a:r>
+                        <a:rPr lang="ru-RU" sz="1200" b="0" i="0" kern="1200" dirty="0">
+                          <a:solidFill>
+                            <a:schemeClr val="dk1"/>
+                          </a:solidFill>
+                          <a:effectLst/>
+                          <a:latin typeface="+mn-lt"/>
+                          <a:ea typeface="+mn-ea"/>
+                          <a:cs typeface="+mn-cs"/>
+                        </a:rPr>
+                        <a:t>. XAML позволяет разработчикам описывать интерфейсы приложений в декларативном виде, что упрощает создание и поддержку пользовательских интерфейсов.</a:t>
+                      </a:r>
+                    </a:p>
+                    <a:p>
+                      <a:endParaRPr lang="ru-RU" sz="1200" dirty="0"/>
+                    </a:p>
+                  </a:txBody>
+                  <a:tcPr/>
+                </a:tc>
+                <a:extLst>
+                  <a:ext uri="{0D108BD9-81ED-4DB2-BD59-A6C34878D82A}">
+                    <a16:rowId xmlns:a16="http://schemas.microsoft.com/office/drawing/2014/main" val="1270181759"/>
+                  </a:ext>
+                </a:extLst>
+              </a:tr>
+              <a:tr h="617559">
+                <a:tc>
+                  <a:txBody>
+                    <a:bodyPr/>
+                    <a:lstStyle/>
+                    <a:p>
+                      <a:r>
+                        <a:rPr lang="en-US" sz="1400" b="0" kern="1200" dirty="0">
+                          <a:solidFill>
+                            <a:schemeClr val="dk1"/>
+                          </a:solidFill>
+                          <a:effectLst/>
+                          <a:latin typeface="Times New Roman" panose="02020603050405020304" pitchFamily="18" charset="0"/>
+                          <a:ea typeface="+mn-ea"/>
+                          <a:cs typeface="Times New Roman" panose="02020603050405020304" pitchFamily="18" charset="0"/>
+                        </a:rPr>
+                        <a:t>Android</a:t>
+                      </a:r>
+                      <a:r>
+                        <a:rPr lang="ru-RU" sz="1400" b="0" kern="1200" dirty="0">
+                          <a:solidFill>
+                            <a:schemeClr val="dk1"/>
+                          </a:solidFill>
+                          <a:effectLst/>
+                          <a:latin typeface="Times New Roman" panose="02020603050405020304" pitchFamily="18" charset="0"/>
+                          <a:ea typeface="+mn-ea"/>
+                          <a:cs typeface="Times New Roman" panose="02020603050405020304" pitchFamily="18" charset="0"/>
+                        </a:rPr>
+                        <a:t>.</a:t>
+                      </a:r>
+                      <a:r>
+                        <a:rPr lang="en-US" sz="1400" b="0" kern="1200" dirty="0">
+                          <a:solidFill>
+                            <a:schemeClr val="dk1"/>
+                          </a:solidFill>
+                          <a:effectLst/>
+                          <a:latin typeface="Times New Roman" panose="02020603050405020304" pitchFamily="18" charset="0"/>
+                          <a:ea typeface="+mn-ea"/>
+                          <a:cs typeface="Times New Roman" panose="02020603050405020304" pitchFamily="18" charset="0"/>
+                        </a:rPr>
+                        <a:t>App</a:t>
+                      </a:r>
+                      <a:r>
+                        <a:rPr lang="ru-RU" sz="1400" b="0" kern="1200" dirty="0">
+                          <a:solidFill>
+                            <a:schemeClr val="dk1"/>
+                          </a:solidFill>
+                          <a:effectLst/>
+                          <a:latin typeface="Times New Roman" panose="02020603050405020304" pitchFamily="18" charset="0"/>
+                          <a:ea typeface="+mn-ea"/>
+                          <a:cs typeface="Times New Roman" panose="02020603050405020304" pitchFamily="18" charset="0"/>
+                        </a:rPr>
+                        <a:t>;</a:t>
+                      </a:r>
+                    </a:p>
+                  </a:txBody>
+                  <a:tcPr/>
+                </a:tc>
+                <a:tc>
+                  <a:txBody>
+                    <a:bodyPr/>
+                    <a:lstStyle/>
+                    <a:p>
+                      <a:pPr marL="0" marR="0" lvl="0" indent="0" algn="l" defTabSz="914400" rtl="0" eaLnBrk="1" fontAlgn="auto" latinLnBrk="0" hangingPunct="1">
+                        <a:lnSpc>
+                          <a:spcPct val="100000"/>
+                        </a:lnSpc>
+                        <a:spcBef>
+                          <a:spcPts val="0"/>
+                        </a:spcBef>
+                        <a:spcAft>
+                          <a:spcPts val="0"/>
+                        </a:spcAft>
+                        <a:buClrTx/>
+                        <a:buSzTx/>
+                        <a:buFontTx/>
+                        <a:buNone/>
+                        <a:tabLst/>
+                        <a:defRPr/>
+                      </a:pPr>
+                      <a:r>
+                        <a:rPr lang="ru-RU" sz="1200" b="0" i="0" kern="1200" dirty="0">
+                          <a:solidFill>
+                            <a:schemeClr val="dk1"/>
+                          </a:solidFill>
+                          <a:effectLst/>
+                          <a:latin typeface="+mn-lt"/>
+                          <a:ea typeface="+mn-ea"/>
+                          <a:cs typeface="+mn-cs"/>
+                        </a:rPr>
+                        <a:t>Это пространство имен предоставляет доступ к функциональности управления пакетами (</a:t>
+                      </a:r>
+                      <a:r>
+                        <a:rPr lang="ru-RU" sz="1200" b="0" i="0" kern="1200" dirty="0" err="1">
+                          <a:solidFill>
+                            <a:schemeClr val="dk1"/>
+                          </a:solidFill>
+                          <a:effectLst/>
+                          <a:latin typeface="+mn-lt"/>
+                          <a:ea typeface="+mn-ea"/>
+                          <a:cs typeface="+mn-cs"/>
+                        </a:rPr>
+                        <a:t>Package</a:t>
+                      </a:r>
+                      <a:r>
+                        <a:rPr lang="ru-RU" sz="1200" b="0" i="0" kern="1200" dirty="0">
+                          <a:solidFill>
+                            <a:schemeClr val="dk1"/>
+                          </a:solidFill>
+                          <a:effectLst/>
+                          <a:latin typeface="+mn-lt"/>
+                          <a:ea typeface="+mn-ea"/>
+                          <a:cs typeface="+mn-cs"/>
+                        </a:rPr>
+                        <a:t> Manager) в </a:t>
+                      </a:r>
+                      <a:r>
+                        <a:rPr lang="ru-RU" sz="1200" b="0" i="0" kern="1200" dirty="0" err="1">
+                          <a:solidFill>
+                            <a:schemeClr val="dk1"/>
+                          </a:solidFill>
+                          <a:effectLst/>
+                          <a:latin typeface="+mn-lt"/>
+                          <a:ea typeface="+mn-ea"/>
+                          <a:cs typeface="+mn-cs"/>
+                        </a:rPr>
+                        <a:t>Android</a:t>
+                      </a:r>
+                      <a:r>
+                        <a:rPr lang="ru-RU" sz="1200" b="0" i="0" kern="1200" dirty="0">
+                          <a:solidFill>
+                            <a:schemeClr val="dk1"/>
+                          </a:solidFill>
+                          <a:effectLst/>
+                          <a:latin typeface="+mn-lt"/>
+                          <a:ea typeface="+mn-ea"/>
+                          <a:cs typeface="+mn-cs"/>
+                        </a:rPr>
+                        <a:t>. Оно позволяет получать информацию о приложениях, их разрешениях и других аспектах, связанных с управлением приложениями на устройстве.</a:t>
+                      </a:r>
+                    </a:p>
+                    <a:p>
+                      <a:endParaRPr lang="ru-RU" sz="1200" dirty="0"/>
+                    </a:p>
+                  </a:txBody>
+                  <a:tcPr/>
+                </a:tc>
+                <a:extLst>
+                  <a:ext uri="{0D108BD9-81ED-4DB2-BD59-A6C34878D82A}">
+                    <a16:rowId xmlns:a16="http://schemas.microsoft.com/office/drawing/2014/main" val="2565011737"/>
+                  </a:ext>
+                </a:extLst>
+              </a:tr>
+              <a:tr h="573301">
+                <a:tc>
+                  <a:txBody>
+                    <a:bodyPr/>
+                    <a:lstStyle/>
+                    <a:p>
+                      <a:r>
+                        <a:rPr lang="en-US" sz="1400" b="0" kern="1200" dirty="0">
+                          <a:solidFill>
+                            <a:schemeClr val="dk1"/>
+                          </a:solidFill>
+                          <a:effectLst/>
+                          <a:latin typeface="Times New Roman" panose="02020603050405020304" pitchFamily="18" charset="0"/>
+                          <a:ea typeface="+mn-ea"/>
+                          <a:cs typeface="Times New Roman" panose="02020603050405020304" pitchFamily="18" charset="0"/>
+                        </a:rPr>
+                        <a:t>Android.Content.PM;</a:t>
+                      </a:r>
+                      <a:endParaRPr lang="ru-RU" sz="1400" b="0" kern="1200" dirty="0">
+                        <a:solidFill>
+                          <a:schemeClr val="dk1"/>
+                        </a:solidFill>
+                        <a:effectLst/>
+                        <a:latin typeface="Times New Roman" panose="02020603050405020304" pitchFamily="18" charset="0"/>
+                        <a:ea typeface="+mn-ea"/>
+                        <a:cs typeface="Times New Roman" panose="02020603050405020304" pitchFamily="18" charset="0"/>
+                      </a:endParaRPr>
+                    </a:p>
+                  </a:txBody>
+                  <a:tcPr/>
+                </a:tc>
+                <a:tc>
+                  <a:txBody>
+                    <a:bodyPr/>
+                    <a:lstStyle/>
+                    <a:p>
+                      <a:pPr marL="0" marR="0" lvl="0" indent="0" algn="l" defTabSz="914400" rtl="0" eaLnBrk="1" fontAlgn="auto" latinLnBrk="0" hangingPunct="1">
+                        <a:lnSpc>
+                          <a:spcPct val="100000"/>
+                        </a:lnSpc>
+                        <a:spcBef>
+                          <a:spcPts val="0"/>
+                        </a:spcBef>
+                        <a:spcAft>
+                          <a:spcPts val="0"/>
+                        </a:spcAft>
+                        <a:buClrTx/>
+                        <a:buSzTx/>
+                        <a:buFontTx/>
+                        <a:buNone/>
+                        <a:tabLst/>
+                        <a:defRPr/>
+                      </a:pPr>
+                      <a:r>
+                        <a:rPr lang="ru-RU" sz="1200" b="0" i="0" kern="1200" dirty="0">
+                          <a:solidFill>
+                            <a:schemeClr val="dk1"/>
+                          </a:solidFill>
+                          <a:effectLst/>
+                          <a:latin typeface="+mn-lt"/>
+                          <a:ea typeface="+mn-ea"/>
+                          <a:cs typeface="+mn-cs"/>
+                        </a:rPr>
+                        <a:t>Это пространство имен содержит классы и атрибуты, которые необходимы для работы с механизмом выполнения </a:t>
+                      </a:r>
+                      <a:r>
+                        <a:rPr lang="ru-RU" sz="1200" b="0" i="0" kern="1200" dirty="0" err="1">
+                          <a:solidFill>
+                            <a:schemeClr val="dk1"/>
+                          </a:solidFill>
+                          <a:effectLst/>
+                          <a:latin typeface="+mn-lt"/>
+                          <a:ea typeface="+mn-ea"/>
+                          <a:cs typeface="+mn-cs"/>
+                        </a:rPr>
+                        <a:t>Android</a:t>
+                      </a:r>
+                      <a:r>
+                        <a:rPr lang="ru-RU" sz="1200" b="0" i="0" kern="1200" dirty="0">
+                          <a:solidFill>
+                            <a:schemeClr val="dk1"/>
+                          </a:solidFill>
+                          <a:effectLst/>
+                          <a:latin typeface="+mn-lt"/>
+                          <a:ea typeface="+mn-ea"/>
+                          <a:cs typeface="+mn-cs"/>
+                        </a:rPr>
+                        <a:t>. Оно включает в себя функциональность для взаимодействия с Java-кодом и управления жизненным циклом приложений.</a:t>
+                      </a:r>
+                    </a:p>
+                    <a:p>
+                      <a:endParaRPr lang="ru-RU" sz="1200" dirty="0"/>
+                    </a:p>
+                  </a:txBody>
+                  <a:tcPr/>
+                </a:tc>
+                <a:extLst>
+                  <a:ext uri="{0D108BD9-81ED-4DB2-BD59-A6C34878D82A}">
+                    <a16:rowId xmlns:a16="http://schemas.microsoft.com/office/drawing/2014/main" val="1003590360"/>
+                  </a:ext>
+                </a:extLst>
+              </a:tr>
+            </a:tbl>
+          </a:graphicData>
+        </a:graphic>
+      </p:graphicFrame>
+    </p:spTree>
+    <p:extLst>
+      <p:ext uri="{BB962C8B-B14F-4D97-AF65-F5344CB8AC3E}">
+        <p14:creationId xmlns:p14="http://schemas.microsoft.com/office/powerpoint/2010/main" val="1629260059"/>
+      </p:ext>
+    </p:extLst>
+  </p:cSld>
+  <p:clrMapOvr>
+    <a:masterClrMapping/>
+  </p:clrMapOvr>
+</p:sld>
+</file>
+
+<file path=ppt/slides/slide6.xml><?xml version="1.0" encoding="utf-8"?>
+<p:sld xmlns:a="http://schemas.openxmlformats.org/drawingml/2006/main" xmlns:r="http://schemas.openxmlformats.org/officeDocument/2006/relationships" xmlns:p="http://schemas.openxmlformats.org/presentationml/2006/main">
+  <p:cSld>
+    <p:spTree>
+      <p:nvGrpSpPr>
+        <p:cNvPr id="1" name=""/>
+        <p:cNvGrpSpPr/>
+        <p:nvPr/>
+      </p:nvGrpSpPr>
+      <p:grpSpPr>
+        <a:xfrm>
+          <a:off x="0" y="0"/>
+          <a:ext cx="0" cy="0"/>
+          <a:chOff x="0" y="0"/>
+          <a:chExt cx="0" cy="0"/>
+        </a:xfrm>
+      </p:grpSpPr>
+      <p:graphicFrame>
+        <p:nvGraphicFramePr>
+          <p:cNvPr id="2" name="Таблица 1">
+            <a:extLst>
+              <a:ext uri="{FF2B5EF4-FFF2-40B4-BE49-F238E27FC236}">
+                <a16:creationId xmlns:a16="http://schemas.microsoft.com/office/drawing/2014/main" id="{3E7A3370-11A7-4AF1-8949-5F3ED9654D7A}"/>
+              </a:ext>
+            </a:extLst>
+          </p:cNvPr>
+          <p:cNvGraphicFramePr>
+            <a:graphicFrameLocks noGrp="1"/>
+          </p:cNvGraphicFramePr>
+          <p:nvPr/>
+        </p:nvGraphicFramePr>
+        <p:xfrm>
+          <a:off x="328474" y="538363"/>
+          <a:ext cx="11528866" cy="2603049"/>
+        </p:xfrm>
+        <a:graphic>
+          <a:graphicData uri="http://schemas.openxmlformats.org/drawingml/2006/table">
+            <a:tbl>
+              <a:tblPr firstRow="1" bandRow="1">
+                <a:tableStyleId>{5C22544A-7EE6-4342-B048-85BDC9FD1C3A}</a:tableStyleId>
+              </a:tblPr>
+              <a:tblGrid>
+                <a:gridCol w="5657232">
+                  <a:extLst>
+                    <a:ext uri="{9D8B030D-6E8A-4147-A177-3AD203B41FA5}">
+                      <a16:colId xmlns:a16="http://schemas.microsoft.com/office/drawing/2014/main" val="3475914506"/>
+                    </a:ext>
+                  </a:extLst>
+                </a:gridCol>
+                <a:gridCol w="5871634">
+                  <a:extLst>
+                    <a:ext uri="{9D8B030D-6E8A-4147-A177-3AD203B41FA5}">
+                      <a16:colId xmlns:a16="http://schemas.microsoft.com/office/drawing/2014/main" val="548374279"/>
+                    </a:ext>
+                  </a:extLst>
+                </a:gridCol>
+              </a:tblGrid>
+              <a:tr h="499929">
+                <a:tc>
+                  <a:txBody>
+                    <a:bodyPr/>
+                    <a:lstStyle/>
+                    <a:p>
+                      <a:pPr marL="0" marR="0" lvl="0" indent="0" algn="l" defTabSz="914400" rtl="0" eaLnBrk="1" fontAlgn="auto" latinLnBrk="0" hangingPunct="1">
+                        <a:lnSpc>
+                          <a:spcPct val="100000"/>
+                        </a:lnSpc>
+                        <a:spcBef>
+                          <a:spcPts val="0"/>
+                        </a:spcBef>
+                        <a:spcAft>
+                          <a:spcPts val="0"/>
+                        </a:spcAft>
+                        <a:buClrTx/>
+                        <a:buSzTx/>
+                        <a:buFontTx/>
+                        <a:buNone/>
+                        <a:tabLst/>
+                        <a:defRPr/>
+                      </a:pPr>
+                      <a:r>
+                        <a:rPr lang="ru-RU" dirty="0"/>
+                        <a:t>Библиотека</a:t>
+                      </a:r>
+                    </a:p>
+                  </a:txBody>
+                  <a:tcPr/>
+                </a:tc>
+                <a:tc>
+                  <a:txBody>
+                    <a:bodyPr/>
+                    <a:lstStyle/>
+                    <a:p>
+                      <a:pPr marL="0" marR="0" lvl="0" indent="0" algn="l" defTabSz="914400" rtl="0" eaLnBrk="1" fontAlgn="auto" latinLnBrk="0" hangingPunct="1">
+                        <a:lnSpc>
+                          <a:spcPct val="100000"/>
+                        </a:lnSpc>
+                        <a:spcBef>
+                          <a:spcPts val="0"/>
+                        </a:spcBef>
+                        <a:spcAft>
+                          <a:spcPts val="0"/>
+                        </a:spcAft>
+                        <a:buClrTx/>
+                        <a:buSzTx/>
+                        <a:buFontTx/>
+                        <a:buNone/>
+                        <a:tabLst/>
+                        <a:defRPr/>
+                      </a:pPr>
+                      <a:r>
+                        <a:rPr lang="ru-RU" dirty="0"/>
+                        <a:t>Назначение</a:t>
+                      </a:r>
+                    </a:p>
+                  </a:txBody>
+                  <a:tcPr/>
+                </a:tc>
+                <a:extLst>
+                  <a:ext uri="{0D108BD9-81ED-4DB2-BD59-A6C34878D82A}">
+                    <a16:rowId xmlns:a16="http://schemas.microsoft.com/office/drawing/2014/main" val="304852045"/>
+                  </a:ext>
+                </a:extLst>
+              </a:tr>
+              <a:tr h="676374">
+                <a:tc>
+                  <a:txBody>
+                    <a:bodyPr/>
+                    <a:lstStyle/>
+                    <a:p>
+                      <a:r>
+                        <a:rPr lang="en-US" sz="1400" b="0" i="0" kern="1200" dirty="0" err="1">
+                          <a:solidFill>
+                            <a:schemeClr val="dk1"/>
+                          </a:solidFill>
+                          <a:effectLst/>
+                          <a:latin typeface="Times New Roman" panose="02020603050405020304" pitchFamily="18" charset="0"/>
+                          <a:ea typeface="+mn-ea"/>
+                          <a:cs typeface="Times New Roman" panose="02020603050405020304" pitchFamily="18" charset="0"/>
+                        </a:rPr>
+                        <a:t>Android.Runtime</a:t>
+                      </a:r>
+                      <a:r>
+                        <a:rPr lang="en-US" sz="1400" b="0" i="0" kern="1200" dirty="0">
+                          <a:solidFill>
+                            <a:schemeClr val="dk1"/>
+                          </a:solidFill>
+                          <a:effectLst/>
+                          <a:latin typeface="Times New Roman" panose="02020603050405020304" pitchFamily="18" charset="0"/>
+                          <a:ea typeface="+mn-ea"/>
+                          <a:cs typeface="Times New Roman" panose="02020603050405020304" pitchFamily="18" charset="0"/>
+                        </a:rPr>
+                        <a:t>;</a:t>
+                      </a:r>
+                      <a:endParaRPr lang="ru-RU" sz="1400" b="0" dirty="0">
+                        <a:latin typeface="Times New Roman" panose="02020603050405020304" pitchFamily="18" charset="0"/>
+                        <a:cs typeface="Times New Roman" panose="02020603050405020304" pitchFamily="18" charset="0"/>
+                      </a:endParaRPr>
+                    </a:p>
+                  </a:txBody>
+                  <a:tcPr/>
+                </a:tc>
+                <a:tc>
+                  <a:txBody>
+                    <a:bodyPr/>
+                    <a:lstStyle/>
+                    <a:p>
+                      <a:pPr marL="0" marR="0" lvl="0" indent="0" algn="l" defTabSz="914400" rtl="0" eaLnBrk="1" fontAlgn="auto" latinLnBrk="0" hangingPunct="1">
+                        <a:lnSpc>
+                          <a:spcPct val="100000"/>
+                        </a:lnSpc>
+                        <a:spcBef>
+                          <a:spcPts val="0"/>
+                        </a:spcBef>
+                        <a:spcAft>
+                          <a:spcPts val="0"/>
+                        </a:spcAft>
+                        <a:buClrTx/>
+                        <a:buSzTx/>
+                        <a:buFontTx/>
+                        <a:buNone/>
+                        <a:tabLst/>
+                        <a:defRPr/>
+                      </a:pPr>
+                      <a:r>
+                        <a:rPr lang="ru-RU" sz="1400" b="0" i="0" kern="1200" dirty="0">
+                          <a:solidFill>
+                            <a:schemeClr val="dk1"/>
+                          </a:solidFill>
+                          <a:effectLst/>
+                          <a:latin typeface="Times New Roman" panose="02020603050405020304" pitchFamily="18" charset="0"/>
+                          <a:ea typeface="+mn-ea"/>
+                          <a:cs typeface="Times New Roman" panose="02020603050405020304" pitchFamily="18" charset="0"/>
+                        </a:rPr>
+                        <a:t>Это пространство имен содержит классы и атрибуты, которые необходимы для работы с механизмом выполнения </a:t>
+                      </a:r>
+                      <a:r>
+                        <a:rPr lang="ru-RU" sz="1400" b="0" i="0" kern="1200" dirty="0" err="1">
+                          <a:solidFill>
+                            <a:schemeClr val="dk1"/>
+                          </a:solidFill>
+                          <a:effectLst/>
+                          <a:latin typeface="Times New Roman" panose="02020603050405020304" pitchFamily="18" charset="0"/>
+                          <a:ea typeface="+mn-ea"/>
+                          <a:cs typeface="Times New Roman" panose="02020603050405020304" pitchFamily="18" charset="0"/>
+                        </a:rPr>
+                        <a:t>Android</a:t>
+                      </a:r>
+                      <a:r>
+                        <a:rPr lang="ru-RU" sz="1400" b="0" i="0" kern="1200" dirty="0">
+                          <a:solidFill>
+                            <a:schemeClr val="dk1"/>
+                          </a:solidFill>
+                          <a:effectLst/>
+                          <a:latin typeface="Times New Roman" panose="02020603050405020304" pitchFamily="18" charset="0"/>
+                          <a:ea typeface="+mn-ea"/>
+                          <a:cs typeface="Times New Roman" panose="02020603050405020304" pitchFamily="18" charset="0"/>
+                        </a:rPr>
+                        <a:t>. Оно включает в себя функциональность для взаимодействия с Java-кодом и управления жизненным циклом приложений.</a:t>
+                      </a:r>
+                    </a:p>
+                    <a:p>
+                      <a:endParaRPr lang="ru-RU" sz="1400" dirty="0">
+                        <a:latin typeface="Times New Roman" panose="02020603050405020304" pitchFamily="18" charset="0"/>
+                        <a:cs typeface="Times New Roman" panose="02020603050405020304" pitchFamily="18" charset="0"/>
+                      </a:endParaRPr>
+                    </a:p>
+                  </a:txBody>
+                  <a:tcPr/>
+                </a:tc>
+                <a:extLst>
+                  <a:ext uri="{0D108BD9-81ED-4DB2-BD59-A6C34878D82A}">
+                    <a16:rowId xmlns:a16="http://schemas.microsoft.com/office/drawing/2014/main" val="2439670803"/>
+                  </a:ext>
+                </a:extLst>
+              </a:tr>
+              <a:tr h="676374">
+                <a:tc>
+                  <a:txBody>
+                    <a:bodyPr/>
+                    <a:lstStyle/>
+                    <a:p>
+                      <a:r>
+                        <a:rPr lang="en-US" sz="1400" b="0" i="0" kern="1200" dirty="0">
+                          <a:solidFill>
+                            <a:schemeClr val="dk1"/>
+                          </a:solidFill>
+                          <a:effectLst/>
+                          <a:latin typeface="Times New Roman" panose="02020603050405020304" pitchFamily="18" charset="0"/>
+                          <a:ea typeface="+mn-ea"/>
+                          <a:cs typeface="Times New Roman" panose="02020603050405020304" pitchFamily="18" charset="0"/>
+                        </a:rPr>
+                        <a:t> </a:t>
+                      </a:r>
+                      <a:r>
+                        <a:rPr lang="en-US" sz="1400" b="0" i="0" kern="1200" dirty="0" err="1">
+                          <a:solidFill>
+                            <a:schemeClr val="dk1"/>
+                          </a:solidFill>
+                          <a:effectLst/>
+                          <a:latin typeface="Times New Roman" panose="02020603050405020304" pitchFamily="18" charset="0"/>
+                          <a:ea typeface="+mn-ea"/>
+                          <a:cs typeface="Times New Roman" panose="02020603050405020304" pitchFamily="18" charset="0"/>
+                        </a:rPr>
+                        <a:t>Android.OS</a:t>
+                      </a:r>
+                      <a:r>
+                        <a:rPr lang="en-US" sz="1400" b="0" i="0" kern="1200" dirty="0">
+                          <a:solidFill>
+                            <a:schemeClr val="dk1"/>
+                          </a:solidFill>
+                          <a:effectLst/>
+                          <a:latin typeface="Times New Roman" panose="02020603050405020304" pitchFamily="18" charset="0"/>
+                          <a:ea typeface="+mn-ea"/>
+                          <a:cs typeface="Times New Roman" panose="02020603050405020304" pitchFamily="18" charset="0"/>
+                        </a:rPr>
+                        <a:t>;</a:t>
+                      </a:r>
+                      <a:endParaRPr lang="ru-RU" sz="1400" b="0" dirty="0">
+                        <a:latin typeface="Times New Roman" panose="02020603050405020304" pitchFamily="18" charset="0"/>
+                        <a:cs typeface="Times New Roman" panose="02020603050405020304" pitchFamily="18" charset="0"/>
+                      </a:endParaRPr>
+                    </a:p>
+                  </a:txBody>
+                  <a:tcPr/>
+                </a:tc>
+                <a:tc>
+                  <a:txBody>
+                    <a:bodyPr/>
+                    <a:lstStyle/>
+                    <a:p>
+                      <a:pPr marL="0" marR="0" lvl="0" indent="0" algn="l" defTabSz="914400" rtl="0" eaLnBrk="1" fontAlgn="auto" latinLnBrk="0" hangingPunct="1">
+                        <a:lnSpc>
+                          <a:spcPct val="100000"/>
+                        </a:lnSpc>
+                        <a:spcBef>
+                          <a:spcPts val="0"/>
+                        </a:spcBef>
+                        <a:spcAft>
+                          <a:spcPts val="0"/>
+                        </a:spcAft>
+                        <a:buClrTx/>
+                        <a:buSzTx/>
+                        <a:buFontTx/>
+                        <a:buNone/>
+                        <a:tabLst/>
+                        <a:defRPr/>
+                      </a:pPr>
+                      <a:r>
+                        <a:rPr lang="ru-RU" sz="1400" b="0" i="0" kern="1200" dirty="0">
+                          <a:solidFill>
+                            <a:schemeClr val="dk1"/>
+                          </a:solidFill>
+                          <a:effectLst/>
+                          <a:latin typeface="Times New Roman" panose="02020603050405020304" pitchFamily="18" charset="0"/>
+                          <a:ea typeface="+mn-ea"/>
+                          <a:cs typeface="Times New Roman" panose="02020603050405020304" pitchFamily="18" charset="0"/>
+                        </a:rPr>
+                        <a:t>Это пространство имен предоставляет доступ к основным компонентам операционной системы </a:t>
+                      </a:r>
+                      <a:r>
+                        <a:rPr lang="ru-RU" sz="1400" b="0" i="0" kern="1200" dirty="0" err="1">
+                          <a:solidFill>
+                            <a:schemeClr val="dk1"/>
+                          </a:solidFill>
+                          <a:effectLst/>
+                          <a:latin typeface="Times New Roman" panose="02020603050405020304" pitchFamily="18" charset="0"/>
+                          <a:ea typeface="+mn-ea"/>
+                          <a:cs typeface="Times New Roman" panose="02020603050405020304" pitchFamily="18" charset="0"/>
+                        </a:rPr>
+                        <a:t>Android</a:t>
+                      </a:r>
+                      <a:r>
+                        <a:rPr lang="ru-RU" sz="1400" b="0" i="0" kern="1200" dirty="0">
+                          <a:solidFill>
+                            <a:schemeClr val="dk1"/>
+                          </a:solidFill>
+                          <a:effectLst/>
+                          <a:latin typeface="Times New Roman" panose="02020603050405020304" pitchFamily="18" charset="0"/>
+                          <a:ea typeface="+mn-ea"/>
+                          <a:cs typeface="Times New Roman" panose="02020603050405020304" pitchFamily="18" charset="0"/>
+                        </a:rPr>
+                        <a:t>, таким как работа с потоками, обработка сообщений и взаимодействие с системными службами.</a:t>
+                      </a:r>
+                    </a:p>
+                    <a:p>
+                      <a:endParaRPr lang="ru-RU" sz="1400" dirty="0">
+                        <a:latin typeface="Times New Roman" panose="02020603050405020304" pitchFamily="18" charset="0"/>
+                        <a:cs typeface="Times New Roman" panose="02020603050405020304" pitchFamily="18" charset="0"/>
+                      </a:endParaRPr>
+                    </a:p>
+                  </a:txBody>
+                  <a:tcPr/>
+                </a:tc>
+                <a:extLst>
+                  <a:ext uri="{0D108BD9-81ED-4DB2-BD59-A6C34878D82A}">
+                    <a16:rowId xmlns:a16="http://schemas.microsoft.com/office/drawing/2014/main" val="2834023359"/>
+                  </a:ext>
+                </a:extLst>
+              </a:tr>
+            </a:tbl>
+          </a:graphicData>
+        </a:graphic>
+      </p:graphicFrame>
+    </p:spTree>
+    <p:extLst>
+      <p:ext uri="{BB962C8B-B14F-4D97-AF65-F5344CB8AC3E}">
+        <p14:creationId xmlns:p14="http://schemas.microsoft.com/office/powerpoint/2010/main" val="583849358"/>
+      </p:ext>
+    </p:extLst>
+  </p:cSld>
+  <p:clrMapOvr>
+    <a:masterClrMapping/>
+  </p:clrMapOvr>
+</p:sld>
+</file>
+
 <file path=ppt/theme/theme1.xml><?xml version="1.0" encoding="utf-8"?>
 <a:theme xmlns:a="http://schemas.openxmlformats.org/drawingml/2006/main" name="Тема Office">
   <a:themeElements>
